--- a/docs/diagrams/SearchCommandActivityDiagram.pptx
+++ b/docs/diagrams/SearchCommandActivityDiagram.pptx
@@ -261,7 +261,7 @@
           <a:p>
             <a:fld id="{542F47FF-5056-41FF-A1F8-23A414798AA4}" type="datetimeFigureOut">
               <a:rPr lang="en-SG" smtClean="0"/>
-              <a:t>7/4/2019</a:t>
+              <a:t>9/4/2019</a:t>
             </a:fld>
             <a:endParaRPr lang="en-SG"/>
           </a:p>
@@ -461,7 +461,7 @@
           <a:p>
             <a:fld id="{542F47FF-5056-41FF-A1F8-23A414798AA4}" type="datetimeFigureOut">
               <a:rPr lang="en-SG" smtClean="0"/>
-              <a:t>7/4/2019</a:t>
+              <a:t>9/4/2019</a:t>
             </a:fld>
             <a:endParaRPr lang="en-SG"/>
           </a:p>
@@ -671,7 +671,7 @@
           <a:p>
             <a:fld id="{542F47FF-5056-41FF-A1F8-23A414798AA4}" type="datetimeFigureOut">
               <a:rPr lang="en-SG" smtClean="0"/>
-              <a:t>7/4/2019</a:t>
+              <a:t>9/4/2019</a:t>
             </a:fld>
             <a:endParaRPr lang="en-SG"/>
           </a:p>
@@ -871,7 +871,7 @@
           <a:p>
             <a:fld id="{542F47FF-5056-41FF-A1F8-23A414798AA4}" type="datetimeFigureOut">
               <a:rPr lang="en-SG" smtClean="0"/>
-              <a:t>7/4/2019</a:t>
+              <a:t>9/4/2019</a:t>
             </a:fld>
             <a:endParaRPr lang="en-SG"/>
           </a:p>
@@ -1147,7 +1147,7 @@
           <a:p>
             <a:fld id="{542F47FF-5056-41FF-A1F8-23A414798AA4}" type="datetimeFigureOut">
               <a:rPr lang="en-SG" smtClean="0"/>
-              <a:t>7/4/2019</a:t>
+              <a:t>9/4/2019</a:t>
             </a:fld>
             <a:endParaRPr lang="en-SG"/>
           </a:p>
@@ -1415,7 +1415,7 @@
           <a:p>
             <a:fld id="{542F47FF-5056-41FF-A1F8-23A414798AA4}" type="datetimeFigureOut">
               <a:rPr lang="en-SG" smtClean="0"/>
-              <a:t>7/4/2019</a:t>
+              <a:t>9/4/2019</a:t>
             </a:fld>
             <a:endParaRPr lang="en-SG"/>
           </a:p>
@@ -1830,7 +1830,7 @@
           <a:p>
             <a:fld id="{542F47FF-5056-41FF-A1F8-23A414798AA4}" type="datetimeFigureOut">
               <a:rPr lang="en-SG" smtClean="0"/>
-              <a:t>7/4/2019</a:t>
+              <a:t>9/4/2019</a:t>
             </a:fld>
             <a:endParaRPr lang="en-SG"/>
           </a:p>
@@ -1972,7 +1972,7 @@
           <a:p>
             <a:fld id="{542F47FF-5056-41FF-A1F8-23A414798AA4}" type="datetimeFigureOut">
               <a:rPr lang="en-SG" smtClean="0"/>
-              <a:t>7/4/2019</a:t>
+              <a:t>9/4/2019</a:t>
             </a:fld>
             <a:endParaRPr lang="en-SG"/>
           </a:p>
@@ -2085,7 +2085,7 @@
           <a:p>
             <a:fld id="{542F47FF-5056-41FF-A1F8-23A414798AA4}" type="datetimeFigureOut">
               <a:rPr lang="en-SG" smtClean="0"/>
-              <a:t>7/4/2019</a:t>
+              <a:t>9/4/2019</a:t>
             </a:fld>
             <a:endParaRPr lang="en-SG"/>
           </a:p>
@@ -2398,7 +2398,7 @@
           <a:p>
             <a:fld id="{542F47FF-5056-41FF-A1F8-23A414798AA4}" type="datetimeFigureOut">
               <a:rPr lang="en-SG" smtClean="0"/>
-              <a:t>7/4/2019</a:t>
+              <a:t>9/4/2019</a:t>
             </a:fld>
             <a:endParaRPr lang="en-SG"/>
           </a:p>
@@ -2687,7 +2687,7 @@
           <a:p>
             <a:fld id="{542F47FF-5056-41FF-A1F8-23A414798AA4}" type="datetimeFigureOut">
               <a:rPr lang="en-SG" smtClean="0"/>
-              <a:t>7/4/2019</a:t>
+              <a:t>9/4/2019</a:t>
             </a:fld>
             <a:endParaRPr lang="en-SG"/>
           </a:p>
@@ -2930,7 +2930,7 @@
           <a:p>
             <a:fld id="{542F47FF-5056-41FF-A1F8-23A414798AA4}" type="datetimeFigureOut">
               <a:rPr lang="en-SG" smtClean="0"/>
-              <a:t>7/4/2019</a:t>
+              <a:t>9/4/2019</a:t>
             </a:fld>
             <a:endParaRPr lang="en-SG"/>
           </a:p>
@@ -4078,15 +4078,7 @@
             <a:pPr algn="ctr"/>
             <a:r>
               <a:rPr lang="en-SG" dirty="0"/>
-              <a:t>Throw a </a:t>
-            </a:r>
-            <a:r>
-              <a:rPr lang="en-SG" dirty="0" err="1"/>
-              <a:t>ParseException</a:t>
-            </a:r>
-            <a:r>
-              <a:rPr lang="en-SG" dirty="0"/>
-              <a:t> for invalid command</a:t>
+              <a:t>Throw a ParseException for invalid command</a:t>
             </a:r>
           </a:p>
         </p:txBody>
@@ -4138,13 +4130,8 @@
             <a:pPr algn="ctr"/>
             <a:r>
               <a:rPr lang="en-SG" sz="1801" dirty="0"/>
-              <a:t>Parsed by </a:t>
-            </a:r>
-            <a:r>
-              <a:rPr lang="en-SG" sz="1801" dirty="0" err="1"/>
-              <a:t>TravelBuddyParser</a:t>
-            </a:r>
-            <a:endParaRPr lang="en-SG" sz="1801" dirty="0"/>
+              <a:t>Parsed by TravelBuddyParser</a:t>
+            </a:r>
           </a:p>
         </p:txBody>
       </p:sp>
@@ -4237,13 +4224,8 @@
             <a:pPr algn="ctr"/>
             <a:r>
               <a:rPr lang="en-SG" sz="1801" dirty="0"/>
-              <a:t>Parsed by </a:t>
-            </a:r>
-            <a:r>
-              <a:rPr lang="en-SG" sz="1801" dirty="0" err="1"/>
-              <a:t>SearchCommandParser</a:t>
-            </a:r>
-            <a:endParaRPr lang="en-SG" sz="1801" dirty="0"/>
+              <a:t>Parsed by SearchCommandParser</a:t>
+            </a:r>
           </a:p>
         </p:txBody>
       </p:sp>
@@ -4498,15 +4480,7 @@
             <a:pPr algn="ctr"/>
             <a:r>
               <a:rPr lang="en-SG" dirty="0"/>
-              <a:t>Throw a </a:t>
-            </a:r>
-            <a:r>
-              <a:rPr lang="en-SG" dirty="0" err="1"/>
-              <a:t>ParseException</a:t>
-            </a:r>
-            <a:r>
-              <a:rPr lang="en-SG" dirty="0"/>
-              <a:t> for invalid command format</a:t>
+              <a:t>Throw a ParseException for invalid command format</a:t>
             </a:r>
           </a:p>
         </p:txBody>

--- a/docs/diagrams/SearchCommandActivityDiagram.pptx
+++ b/docs/diagrams/SearchCommandActivityDiagram.pptx
@@ -261,7 +261,7 @@
           <a:p>
             <a:fld id="{542F47FF-5056-41FF-A1F8-23A414798AA4}" type="datetimeFigureOut">
               <a:rPr lang="en-SG" smtClean="0"/>
-              <a:t>9/4/2019</a:t>
+              <a:t>13/4/2019</a:t>
             </a:fld>
             <a:endParaRPr lang="en-SG"/>
           </a:p>
@@ -461,7 +461,7 @@
           <a:p>
             <a:fld id="{542F47FF-5056-41FF-A1F8-23A414798AA4}" type="datetimeFigureOut">
               <a:rPr lang="en-SG" smtClean="0"/>
-              <a:t>9/4/2019</a:t>
+              <a:t>13/4/2019</a:t>
             </a:fld>
             <a:endParaRPr lang="en-SG"/>
           </a:p>
@@ -671,7 +671,7 @@
           <a:p>
             <a:fld id="{542F47FF-5056-41FF-A1F8-23A414798AA4}" type="datetimeFigureOut">
               <a:rPr lang="en-SG" smtClean="0"/>
-              <a:t>9/4/2019</a:t>
+              <a:t>13/4/2019</a:t>
             </a:fld>
             <a:endParaRPr lang="en-SG"/>
           </a:p>
@@ -871,7 +871,7 @@
           <a:p>
             <a:fld id="{542F47FF-5056-41FF-A1F8-23A414798AA4}" type="datetimeFigureOut">
               <a:rPr lang="en-SG" smtClean="0"/>
-              <a:t>9/4/2019</a:t>
+              <a:t>13/4/2019</a:t>
             </a:fld>
             <a:endParaRPr lang="en-SG"/>
           </a:p>
@@ -1147,7 +1147,7 @@
           <a:p>
             <a:fld id="{542F47FF-5056-41FF-A1F8-23A414798AA4}" type="datetimeFigureOut">
               <a:rPr lang="en-SG" smtClean="0"/>
-              <a:t>9/4/2019</a:t>
+              <a:t>13/4/2019</a:t>
             </a:fld>
             <a:endParaRPr lang="en-SG"/>
           </a:p>
@@ -1415,7 +1415,7 @@
           <a:p>
             <a:fld id="{542F47FF-5056-41FF-A1F8-23A414798AA4}" type="datetimeFigureOut">
               <a:rPr lang="en-SG" smtClean="0"/>
-              <a:t>9/4/2019</a:t>
+              <a:t>13/4/2019</a:t>
             </a:fld>
             <a:endParaRPr lang="en-SG"/>
           </a:p>
@@ -1830,7 +1830,7 @@
           <a:p>
             <a:fld id="{542F47FF-5056-41FF-A1F8-23A414798AA4}" type="datetimeFigureOut">
               <a:rPr lang="en-SG" smtClean="0"/>
-              <a:t>9/4/2019</a:t>
+              <a:t>13/4/2019</a:t>
             </a:fld>
             <a:endParaRPr lang="en-SG"/>
           </a:p>
@@ -1972,7 +1972,7 @@
           <a:p>
             <a:fld id="{542F47FF-5056-41FF-A1F8-23A414798AA4}" type="datetimeFigureOut">
               <a:rPr lang="en-SG" smtClean="0"/>
-              <a:t>9/4/2019</a:t>
+              <a:t>13/4/2019</a:t>
             </a:fld>
             <a:endParaRPr lang="en-SG"/>
           </a:p>
@@ -2085,7 +2085,7 @@
           <a:p>
             <a:fld id="{542F47FF-5056-41FF-A1F8-23A414798AA4}" type="datetimeFigureOut">
               <a:rPr lang="en-SG" smtClean="0"/>
-              <a:t>9/4/2019</a:t>
+              <a:t>13/4/2019</a:t>
             </a:fld>
             <a:endParaRPr lang="en-SG"/>
           </a:p>
@@ -2398,7 +2398,7 @@
           <a:p>
             <a:fld id="{542F47FF-5056-41FF-A1F8-23A414798AA4}" type="datetimeFigureOut">
               <a:rPr lang="en-SG" smtClean="0"/>
-              <a:t>9/4/2019</a:t>
+              <a:t>13/4/2019</a:t>
             </a:fld>
             <a:endParaRPr lang="en-SG"/>
           </a:p>
@@ -2687,7 +2687,7 @@
           <a:p>
             <a:fld id="{542F47FF-5056-41FF-A1F8-23A414798AA4}" type="datetimeFigureOut">
               <a:rPr lang="en-SG" smtClean="0"/>
-              <a:t>9/4/2019</a:t>
+              <a:t>13/4/2019</a:t>
             </a:fld>
             <a:endParaRPr lang="en-SG"/>
           </a:p>
@@ -2930,7 +2930,7 @@
           <a:p>
             <a:fld id="{542F47FF-5056-41FF-A1F8-23A414798AA4}" type="datetimeFigureOut">
               <a:rPr lang="en-SG" smtClean="0"/>
-              <a:t>9/4/2019</a:t>
+              <a:t>13/4/2019</a:t>
             </a:fld>
             <a:endParaRPr lang="en-SG"/>
           </a:p>
@@ -3547,7 +3547,7 @@
         </p:nvSpPr>
         <p:spPr>
           <a:xfrm>
-            <a:off x="9734419" y="4243046"/>
+            <a:off x="9763358" y="3738446"/>
             <a:ext cx="480766" cy="480766"/>
           </a:xfrm>
           <a:prstGeom prst="diamond">
@@ -3596,7 +3596,7 @@
         </p:nvSpPr>
         <p:spPr>
           <a:xfrm>
-            <a:off x="4457987" y="4521299"/>
+            <a:off x="4480450" y="3628304"/>
             <a:ext cx="853127" cy="369460"/>
           </a:xfrm>
           <a:prstGeom prst="rect">
@@ -3631,7 +3631,7 @@
         </p:nvSpPr>
         <p:spPr>
           <a:xfrm>
-            <a:off x="3184248" y="942101"/>
+            <a:off x="3171380" y="1719702"/>
             <a:ext cx="2066045" cy="646587"/>
           </a:xfrm>
           <a:prstGeom prst="rect">
@@ -3666,7 +3666,7 @@
         </p:nvSpPr>
         <p:spPr>
           <a:xfrm>
-            <a:off x="8498186" y="304806"/>
+            <a:off x="8498186" y="1178105"/>
             <a:ext cx="2953232" cy="814659"/>
           </a:xfrm>
           <a:prstGeom prst="roundRect">
@@ -3771,8 +3771,8 @@
         </p:nvCxnSpPr>
         <p:spPr>
           <a:xfrm>
-            <a:off x="10215185" y="4483429"/>
-            <a:ext cx="1000564" cy="0"/>
+            <a:off x="10244124" y="3978829"/>
+            <a:ext cx="971625" cy="0"/>
           </a:xfrm>
           <a:prstGeom prst="straightConnector1">
             <a:avLst/>
@@ -3810,7 +3810,7 @@
         </p:nvGrpSpPr>
         <p:grpSpPr>
           <a:xfrm>
-            <a:off x="11215749" y="4365594"/>
+            <a:off x="11215749" y="3860994"/>
             <a:ext cx="235669" cy="235669"/>
             <a:chOff x="8040730" y="5082186"/>
             <a:chExt cx="235669" cy="235669"/>
@@ -3930,8 +3930,8 @@
         </p:nvCxnSpPr>
         <p:spPr>
           <a:xfrm rot="5400000" flipH="1" flipV="1">
-            <a:off x="3574320" y="1635512"/>
-            <a:ext cx="2345214" cy="498463"/>
+            <a:off x="4010970" y="2072162"/>
+            <a:ext cx="1471915" cy="498463"/>
           </a:xfrm>
           <a:prstGeom prst="bentConnector2">
             <a:avLst/>
@@ -3967,8 +3967,8 @@
         </p:nvCxnSpPr>
         <p:spPr>
           <a:xfrm rot="16200000" flipH="1">
-            <a:off x="4371019" y="3664793"/>
-            <a:ext cx="945314" cy="691960"/>
+            <a:off x="4623319" y="3412493"/>
+            <a:ext cx="440714" cy="691960"/>
           </a:xfrm>
           <a:prstGeom prst="bentConnector2">
             <a:avLst/>
@@ -4004,8 +4004,8 @@
         </p:nvCxnSpPr>
         <p:spPr>
           <a:xfrm flipH="1">
-            <a:off x="10215185" y="712136"/>
-            <a:ext cx="1236233" cy="2089311"/>
+            <a:off x="10215185" y="1585435"/>
+            <a:ext cx="1236233" cy="1216012"/>
           </a:xfrm>
           <a:prstGeom prst="bentConnector3">
             <a:avLst>
@@ -4045,7 +4045,7 @@
         </p:nvSpPr>
         <p:spPr>
           <a:xfrm>
-            <a:off x="5189656" y="4076100"/>
+            <a:off x="5189656" y="3571500"/>
             <a:ext cx="2508192" cy="814659"/>
           </a:xfrm>
           <a:prstGeom prst="roundRect">
@@ -4191,7 +4191,7 @@
         </p:nvSpPr>
         <p:spPr>
           <a:xfrm>
-            <a:off x="4996159" y="304806"/>
+            <a:off x="4996159" y="1178105"/>
             <a:ext cx="1880658" cy="814659"/>
           </a:xfrm>
           <a:prstGeom prst="roundRect">
@@ -4243,7 +4243,7 @@
         </p:nvSpPr>
         <p:spPr>
           <a:xfrm>
-            <a:off x="7025878" y="471751"/>
+            <a:off x="7025878" y="1345050"/>
             <a:ext cx="480766" cy="480766"/>
           </a:xfrm>
           <a:prstGeom prst="diamond">
@@ -4296,7 +4296,7 @@
         </p:nvCxnSpPr>
         <p:spPr>
           <a:xfrm flipV="1">
-            <a:off x="6876817" y="712134"/>
+            <a:off x="6876817" y="1585433"/>
             <a:ext cx="149061" cy="2"/>
           </a:xfrm>
           <a:prstGeom prst="straightConnector1">
@@ -4338,7 +4338,7 @@
         </p:nvCxnSpPr>
         <p:spPr>
           <a:xfrm>
-            <a:off x="7506644" y="712134"/>
+            <a:off x="7506644" y="1585433"/>
             <a:ext cx="991542" cy="2"/>
           </a:xfrm>
           <a:prstGeom prst="straightConnector1">
@@ -4377,7 +4377,7 @@
         </p:nvSpPr>
         <p:spPr>
           <a:xfrm>
-            <a:off x="7300986" y="0"/>
+            <a:off x="7300986" y="873299"/>
             <a:ext cx="1392942" cy="646587"/>
           </a:xfrm>
           <a:prstGeom prst="rect">
@@ -4412,7 +4412,7 @@
         </p:nvSpPr>
         <p:spPr>
           <a:xfrm>
-            <a:off x="7271285" y="1509881"/>
+            <a:off x="7209914" y="1981257"/>
             <a:ext cx="853127" cy="369460"/>
           </a:xfrm>
           <a:prstGeom prst="rect">
@@ -4552,8 +4552,8 @@
         </p:nvCxnSpPr>
         <p:spPr>
           <a:xfrm>
-            <a:off x="7266261" y="952517"/>
-            <a:ext cx="5024" cy="1448336"/>
+            <a:off x="7266261" y="1825816"/>
+            <a:ext cx="5024" cy="575037"/>
           </a:xfrm>
           <a:prstGeom prst="straightConnector1">
             <a:avLst/>
@@ -4596,7 +4596,7 @@
         <p:spPr>
           <a:xfrm>
             <a:off x="9974802" y="3041830"/>
-            <a:ext cx="0" cy="1201216"/>
+            <a:ext cx="28939" cy="696616"/>
           </a:xfrm>
           <a:prstGeom prst="straightConnector1">
             <a:avLst/>
@@ -4638,8 +4638,8 @@
         </p:nvCxnSpPr>
         <p:spPr>
           <a:xfrm flipV="1">
-            <a:off x="7697848" y="4483429"/>
-            <a:ext cx="2036571" cy="1"/>
+            <a:off x="7697848" y="3978829"/>
+            <a:ext cx="2065510" cy="1"/>
           </a:xfrm>
           <a:prstGeom prst="straightConnector1">
             <a:avLst/>
